--- a/doc/3_ 설계서/UI Design Template.pptx
+++ b/doc/3_ 설계서/UI Design Template.pptx
@@ -5,10 +5,10 @@
     <p:sldMasterId id="2147483655" r:id="rId1"/>
   </p:sldMasterIdLst>
   <p:notesMasterIdLst>
-    <p:notesMasterId r:id="rId8"/>
+    <p:notesMasterId r:id="rId13"/>
   </p:notesMasterIdLst>
   <p:handoutMasterIdLst>
-    <p:handoutMasterId r:id="rId9"/>
+    <p:handoutMasterId r:id="rId14"/>
   </p:handoutMasterIdLst>
   <p:sldIdLst>
     <p:sldId id="256" r:id="rId2"/>
@@ -17,6 +17,11 @@
     <p:sldId id="261" r:id="rId5"/>
     <p:sldId id="259" r:id="rId6"/>
     <p:sldId id="263" r:id="rId7"/>
+    <p:sldId id="264" r:id="rId8"/>
+    <p:sldId id="265" r:id="rId9"/>
+    <p:sldId id="266" r:id="rId10"/>
+    <p:sldId id="267" r:id="rId11"/>
+    <p:sldId id="268" r:id="rId12"/>
   </p:sldIdLst>
   <p:sldSz cx="9144000" cy="6858000" type="screen4x3"/>
   <p:notesSz cx="6797675" cy="9928225"/>
@@ -2231,8 +2236,8 @@
         </p:nvSpPr>
         <p:spPr>
           <a:xfrm>
-            <a:off x="7751445" y="4372844"/>
-            <a:ext cx="768159" cy="400110"/>
+            <a:off x="5597905" y="4980911"/>
+            <a:ext cx="2978764" cy="707886"/>
           </a:xfrm>
           <a:prstGeom prst="rect">
             <a:avLst/>
@@ -2246,14 +2251,204 @@
           <a:lstStyle/>
           <a:p>
             <a:r>
-              <a:rPr lang="ko-KR" altLang="en-US" sz="2000" dirty="0" smtClean="0"/>
-              <a:t>팀 명</a:t>
+              <a:rPr lang="en-US" altLang="ko-KR" sz="4000" dirty="0" err="1" smtClean="0"/>
+              <a:t>TenoutofTen</a:t>
             </a:r>
-            <a:endParaRPr lang="ko-KR" altLang="en-US" sz="2000" dirty="0"/>
+            <a:endParaRPr lang="ko-KR" altLang="en-US" sz="4000" dirty="0"/>
           </a:p>
         </p:txBody>
       </p:sp>
     </p:spTree>
+  </p:cSld>
+  <p:clrMapOvr>
+    <a:masterClrMapping/>
+  </p:clrMapOvr>
+</p:sld>
+</file>
+
+<file path=ppt/slides/slide10.xml><?xml version="1.0" encoding="utf-8"?>
+<p:sld xmlns:a="http://schemas.openxmlformats.org/drawingml/2006/main" xmlns:r="http://schemas.openxmlformats.org/officeDocument/2006/relationships" xmlns:p="http://schemas.openxmlformats.org/presentationml/2006/main">
+  <p:cSld>
+    <p:spTree>
+      <p:nvGrpSpPr>
+        <p:cNvPr id="1" name=""/>
+        <p:cNvGrpSpPr/>
+        <p:nvPr/>
+      </p:nvGrpSpPr>
+      <p:grpSpPr>
+        <a:xfrm>
+          <a:off x="0" y="0"/>
+          <a:ext cx="0" cy="0"/>
+          <a:chOff x="0" y="0"/>
+          <a:chExt cx="0" cy="0"/>
+        </a:xfrm>
+      </p:grpSpPr>
+      <p:sp>
+        <p:nvSpPr>
+          <p:cNvPr id="2" name="바닥글 개체 틀 1"/>
+          <p:cNvSpPr>
+            <a:spLocks noGrp="1"/>
+          </p:cNvSpPr>
+          <p:nvPr>
+            <p:ph type="ftr" sz="quarter" idx="3"/>
+          </p:nvPr>
+        </p:nvSpPr>
+        <p:spPr/>
+        <p:txBody>
+          <a:bodyPr/>
+          <a:lstStyle/>
+          <a:p>
+            <a:pPr algn="r"/>
+            <a:r>
+              <a:rPr lang="ko-KR" altLang="en-US" smtClean="0"/>
+              <a:t>팀 명</a:t>
+            </a:r>
+            <a:endParaRPr lang="en-US" altLang="ko-KR" dirty="0"/>
+          </a:p>
+        </p:txBody>
+      </p:sp>
+      <p:pic>
+        <p:nvPicPr>
+          <p:cNvPr id="4098" name="Picture 2" descr="C:\Users\HoonAh\Desktop\소공플젝\TDL_설계써\UI\04.jpg"/>
+          <p:cNvPicPr>
+            <a:picLocks noChangeAspect="1" noChangeArrowheads="1"/>
+          </p:cNvPicPr>
+          <p:nvPr/>
+        </p:nvPicPr>
+        <p:blipFill>
+          <a:blip r:embed="rId2" cstate="print">
+            <a:extLst>
+              <a:ext uri="{28A0092B-C50C-407E-A947-70E740481C1C}">
+                <a14:useLocalDpi xmlns:a14="http://schemas.microsoft.com/office/drawing/2010/main" val="0"/>
+              </a:ext>
+            </a:extLst>
+          </a:blip>
+          <a:srcRect/>
+          <a:stretch>
+            <a:fillRect/>
+          </a:stretch>
+        </p:blipFill>
+        <p:spPr bwMode="auto">
+          <a:xfrm>
+            <a:off x="1573530" y="1270000"/>
+            <a:ext cx="6619026" cy="4680000"/>
+          </a:xfrm>
+          <a:prstGeom prst="rect">
+            <a:avLst/>
+          </a:prstGeom>
+          <a:noFill/>
+          <a:extLst>
+            <a:ext uri="{909E8E84-426E-40DD-AFC4-6F175D3DCCD1}">
+              <a14:hiddenFill xmlns:a14="http://schemas.microsoft.com/office/drawing/2010/main">
+                <a:solidFill>
+                  <a:srgbClr val="FFFFFF"/>
+                </a:solidFill>
+              </a14:hiddenFill>
+            </a:ext>
+          </a:extLst>
+        </p:spPr>
+      </p:pic>
+    </p:spTree>
+    <p:extLst>
+      <p:ext uri="{BB962C8B-B14F-4D97-AF65-F5344CB8AC3E}">
+        <p14:creationId xmlns:p14="http://schemas.microsoft.com/office/powerpoint/2010/main" val="1355675415"/>
+      </p:ext>
+    </p:extLst>
+  </p:cSld>
+  <p:clrMapOvr>
+    <a:masterClrMapping/>
+  </p:clrMapOvr>
+</p:sld>
+</file>
+
+<file path=ppt/slides/slide11.xml><?xml version="1.0" encoding="utf-8"?>
+<p:sld xmlns:a="http://schemas.openxmlformats.org/drawingml/2006/main" xmlns:r="http://schemas.openxmlformats.org/officeDocument/2006/relationships" xmlns:p="http://schemas.openxmlformats.org/presentationml/2006/main">
+  <p:cSld>
+    <p:spTree>
+      <p:nvGrpSpPr>
+        <p:cNvPr id="1" name=""/>
+        <p:cNvGrpSpPr/>
+        <p:nvPr/>
+      </p:nvGrpSpPr>
+      <p:grpSpPr>
+        <a:xfrm>
+          <a:off x="0" y="0"/>
+          <a:ext cx="0" cy="0"/>
+          <a:chOff x="0" y="0"/>
+          <a:chExt cx="0" cy="0"/>
+        </a:xfrm>
+      </p:grpSpPr>
+      <p:sp>
+        <p:nvSpPr>
+          <p:cNvPr id="2" name="바닥글 개체 틀 1"/>
+          <p:cNvSpPr>
+            <a:spLocks noGrp="1"/>
+          </p:cNvSpPr>
+          <p:nvPr>
+            <p:ph type="ftr" sz="quarter" idx="3"/>
+          </p:nvPr>
+        </p:nvSpPr>
+        <p:spPr/>
+        <p:txBody>
+          <a:bodyPr/>
+          <a:lstStyle/>
+          <a:p>
+            <a:pPr algn="r"/>
+            <a:r>
+              <a:rPr lang="ko-KR" altLang="en-US" smtClean="0"/>
+              <a:t>팀 명</a:t>
+            </a:r>
+            <a:endParaRPr lang="en-US" altLang="ko-KR" dirty="0"/>
+          </a:p>
+        </p:txBody>
+      </p:sp>
+      <p:pic>
+        <p:nvPicPr>
+          <p:cNvPr id="5122" name="Picture 2" descr="C:\Users\HoonAh\Desktop\소공플젝\TDL_설계써\UI\05.jpg"/>
+          <p:cNvPicPr>
+            <a:picLocks noChangeAspect="1" noChangeArrowheads="1"/>
+          </p:cNvPicPr>
+          <p:nvPr/>
+        </p:nvPicPr>
+        <p:blipFill>
+          <a:blip r:embed="rId2" cstate="print">
+            <a:extLst>
+              <a:ext uri="{28A0092B-C50C-407E-A947-70E740481C1C}">
+                <a14:useLocalDpi xmlns:a14="http://schemas.microsoft.com/office/drawing/2010/main" val="0"/>
+              </a:ext>
+            </a:extLst>
+          </a:blip>
+          <a:srcRect/>
+          <a:stretch>
+            <a:fillRect/>
+          </a:stretch>
+        </p:blipFill>
+        <p:spPr bwMode="auto">
+          <a:xfrm>
+            <a:off x="1176972" y="1452880"/>
+            <a:ext cx="6619026" cy="4680000"/>
+          </a:xfrm>
+          <a:prstGeom prst="rect">
+            <a:avLst/>
+          </a:prstGeom>
+          <a:noFill/>
+          <a:extLst>
+            <a:ext uri="{909E8E84-426E-40DD-AFC4-6F175D3DCCD1}">
+              <a14:hiddenFill xmlns:a14="http://schemas.microsoft.com/office/drawing/2010/main">
+                <a:solidFill>
+                  <a:srgbClr val="FFFFFF"/>
+                </a:solidFill>
+              </a14:hiddenFill>
+            </a:ext>
+          </a:extLst>
+        </p:spPr>
+      </p:pic>
+    </p:spTree>
+    <p:extLst>
+      <p:ext uri="{BB962C8B-B14F-4D97-AF65-F5344CB8AC3E}">
+        <p14:creationId xmlns:p14="http://schemas.microsoft.com/office/powerpoint/2010/main" val="1855349876"/>
+      </p:ext>
+    </p:extLst>
   </p:cSld>
   <p:clrMapOvr>
     <a:masterClrMapping/>
@@ -2311,14 +2506,14 @@
             <p:ph idx="1"/>
             <p:extLst>
               <p:ext uri="{D42A27DB-BD31-4B8C-83A1-F6EECF244321}">
-                <p14:modId xmlns:p14="http://schemas.microsoft.com/office/powerpoint/2010/main" val="3459876744"/>
+                <p14:modId xmlns:p14="http://schemas.microsoft.com/office/powerpoint/2010/main" val="3978289851"/>
               </p:ext>
             </p:extLst>
           </p:nvPr>
         </p:nvGraphicFramePr>
         <p:xfrm>
           <a:off x="280988" y="1025525"/>
-          <a:ext cx="8582024" cy="2966720"/>
+          <a:ext cx="8582024" cy="3235960"/>
         </p:xfrm>
         <a:graphic>
           <a:graphicData uri="http://schemas.openxmlformats.org/drawingml/2006/table">
@@ -2461,6 +2656,16 @@
                     <a:lstStyle/>
                     <a:p>
                       <a:pPr algn="ctr" latinLnBrk="1"/>
+                      <a:r>
+                        <a:rPr lang="en-US" altLang="ko-KR" sz="1200" b="0" dirty="0" smtClean="0">
+                          <a:solidFill>
+                            <a:schemeClr val="tx1"/>
+                          </a:solidFill>
+                          <a:latin typeface="맑은 고딕" pitchFamily="50" charset="-127"/>
+                          <a:ea typeface="맑은 고딕" pitchFamily="50" charset="-127"/>
+                        </a:rPr>
+                        <a:t>2017.05.16</a:t>
+                      </a:r>
                       <a:endParaRPr lang="ko-KR" altLang="en-US" sz="1200" b="0" dirty="0">
                         <a:solidFill>
                           <a:schemeClr val="tx1"/>
@@ -2482,27 +2687,16 @@
                     <a:lstStyle/>
                     <a:p>
                       <a:pPr algn="ctr" latinLnBrk="1"/>
-                      <a:endParaRPr lang="ko-KR" altLang="en-US" sz="1200" b="0" dirty="0">
-                        <a:solidFill>
-                          <a:schemeClr val="tx1"/>
-                        </a:solidFill>
-                        <a:latin typeface="맑은 고딕" pitchFamily="50" charset="-127"/>
-                        <a:ea typeface="맑은 고딕" pitchFamily="50" charset="-127"/>
-                      </a:endParaRPr>
-                    </a:p>
-                  </a:txBody>
-                  <a:tcPr anchor="ctr">
-                    <a:solidFill>
-                      <a:schemeClr val="bg1"/>
-                    </a:solidFill>
-                  </a:tcPr>
-                </a:tc>
-                <a:tc>
-                  <a:txBody>
-                    <a:bodyPr/>
-                    <a:lstStyle/>
-                    <a:p>
-                      <a:pPr latinLnBrk="1"/>
+                      <a:r>
+                        <a:rPr lang="en-US" altLang="ko-KR" sz="1200" b="0" dirty="0" err="1" smtClean="0">
+                          <a:solidFill>
+                            <a:schemeClr val="tx1"/>
+                          </a:solidFill>
+                          <a:latin typeface="맑은 고딕" pitchFamily="50" charset="-127"/>
+                          <a:ea typeface="맑은 고딕" pitchFamily="50" charset="-127"/>
+                        </a:rPr>
+                        <a:t>V1.0.0</a:t>
+                      </a:r>
                       <a:endParaRPr lang="ko-KR" altLang="en-US" sz="1200" b="0" dirty="0">
                         <a:solidFill>
                           <a:schemeClr val="tx1"/>
@@ -2524,6 +2718,147 @@
                     <a:lstStyle/>
                     <a:p>
                       <a:pPr algn="ctr" latinLnBrk="1"/>
+                      <a:r>
+                        <a:rPr lang="en-US" altLang="ko-KR" sz="1200" b="0" dirty="0" smtClean="0">
+                          <a:solidFill>
+                            <a:schemeClr val="tx1"/>
+                          </a:solidFill>
+                          <a:latin typeface="맑은 고딕" pitchFamily="50" charset="-127"/>
+                          <a:ea typeface="맑은 고딕" pitchFamily="50" charset="-127"/>
+                        </a:rPr>
+                        <a:t>UI</a:t>
+                      </a:r>
+                      <a:r>
+                        <a:rPr lang="en-US" altLang="ko-KR" sz="1200" b="0" baseline="0" dirty="0" smtClean="0">
+                          <a:solidFill>
+                            <a:schemeClr val="tx1"/>
+                          </a:solidFill>
+                          <a:latin typeface="맑은 고딕" pitchFamily="50" charset="-127"/>
+                          <a:ea typeface="맑은 고딕" pitchFamily="50" charset="-127"/>
+                        </a:rPr>
+                        <a:t> </a:t>
+                      </a:r>
+                      <a:r>
+                        <a:rPr lang="ko-KR" altLang="en-US" sz="1200" b="0" baseline="0" dirty="0" smtClean="0">
+                          <a:solidFill>
+                            <a:schemeClr val="tx1"/>
+                          </a:solidFill>
+                          <a:latin typeface="맑은 고딕" pitchFamily="50" charset="-127"/>
+                          <a:ea typeface="맑은 고딕" pitchFamily="50" charset="-127"/>
+                        </a:rPr>
+                        <a:t>디자인 부분 초안 작성</a:t>
+                      </a:r>
+                      <a:endParaRPr lang="en-US" altLang="ko-KR" sz="1200" b="0" baseline="0" dirty="0" smtClean="0">
+                        <a:solidFill>
+                          <a:schemeClr val="tx1"/>
+                        </a:solidFill>
+                        <a:latin typeface="맑은 고딕" pitchFamily="50" charset="-127"/>
+                        <a:ea typeface="맑은 고딕" pitchFamily="50" charset="-127"/>
+                      </a:endParaRPr>
+                    </a:p>
+                    <a:p>
+                      <a:pPr algn="ctr" latinLnBrk="1"/>
+                      <a:r>
+                        <a:rPr lang="en-US" altLang="ko-KR" sz="1200" b="0" baseline="0" dirty="0" smtClean="0">
+                          <a:solidFill>
+                            <a:schemeClr val="tx1"/>
+                          </a:solidFill>
+                          <a:latin typeface="맑은 고딕" pitchFamily="50" charset="-127"/>
+                          <a:ea typeface="맑은 고딕" pitchFamily="50" charset="-127"/>
+                        </a:rPr>
+                        <a:t>(</a:t>
+                      </a:r>
+                      <a:r>
+                        <a:rPr lang="ko-KR" altLang="en-US" sz="1200" b="0" baseline="0" dirty="0" smtClean="0">
+                          <a:solidFill>
+                            <a:schemeClr val="tx1"/>
+                          </a:solidFill>
+                          <a:latin typeface="맑은 고딕" pitchFamily="50" charset="-127"/>
+                          <a:ea typeface="맑은 고딕" pitchFamily="50" charset="-127"/>
+                        </a:rPr>
+                        <a:t>손으로 작성하여 </a:t>
+                      </a:r>
+                      <a:r>
+                        <a:rPr lang="ko-KR" altLang="en-US" sz="1200" b="0" baseline="0" dirty="0" err="1" smtClean="0">
+                          <a:solidFill>
+                            <a:schemeClr val="tx1"/>
+                          </a:solidFill>
+                          <a:latin typeface="맑은 고딕" pitchFamily="50" charset="-127"/>
+                          <a:ea typeface="맑은 고딕" pitchFamily="50" charset="-127"/>
+                        </a:rPr>
+                        <a:t>스캔한</a:t>
+                      </a:r>
+                      <a:r>
+                        <a:rPr lang="ko-KR" altLang="en-US" sz="1200" b="0" baseline="0" dirty="0" smtClean="0">
+                          <a:solidFill>
+                            <a:schemeClr val="tx1"/>
+                          </a:solidFill>
+                          <a:latin typeface="맑은 고딕" pitchFamily="50" charset="-127"/>
+                          <a:ea typeface="맑은 고딕" pitchFamily="50" charset="-127"/>
+                        </a:rPr>
+                        <a:t> 이미지 첨부</a:t>
+                      </a:r>
+                      <a:r>
+                        <a:rPr lang="en-US" altLang="ko-KR" sz="1200" b="0" baseline="0" dirty="0" smtClean="0">
+                          <a:solidFill>
+                            <a:schemeClr val="tx1"/>
+                          </a:solidFill>
+                          <a:latin typeface="맑은 고딕" pitchFamily="50" charset="-127"/>
+                          <a:ea typeface="맑은 고딕" pitchFamily="50" charset="-127"/>
+                        </a:rPr>
+                        <a:t> -&gt; </a:t>
+                      </a:r>
+                      <a:r>
+                        <a:rPr lang="ko-KR" altLang="en-US" sz="1200" b="0" baseline="0" dirty="0" smtClean="0">
+                          <a:solidFill>
+                            <a:schemeClr val="tx1"/>
+                          </a:solidFill>
+                          <a:latin typeface="맑은 고딕" pitchFamily="50" charset="-127"/>
+                          <a:ea typeface="맑은 고딕" pitchFamily="50" charset="-127"/>
+                        </a:rPr>
+                        <a:t>참고하여 정리</a:t>
+                      </a:r>
+                      <a:r>
+                        <a:rPr lang="en-US" altLang="ko-KR" sz="1200" b="0" baseline="0" dirty="0" smtClean="0">
+                          <a:solidFill>
+                            <a:schemeClr val="tx1"/>
+                          </a:solidFill>
+                          <a:latin typeface="맑은 고딕" pitchFamily="50" charset="-127"/>
+                          <a:ea typeface="맑은 고딕" pitchFamily="50" charset="-127"/>
+                        </a:rPr>
+                        <a:t>)</a:t>
+                      </a:r>
+                      <a:endParaRPr lang="ko-KR" altLang="en-US" sz="1200" b="0" dirty="0">
+                        <a:solidFill>
+                          <a:schemeClr val="tx1"/>
+                        </a:solidFill>
+                        <a:latin typeface="맑은 고딕" pitchFamily="50" charset="-127"/>
+                        <a:ea typeface="맑은 고딕" pitchFamily="50" charset="-127"/>
+                      </a:endParaRPr>
+                    </a:p>
+                  </a:txBody>
+                  <a:tcPr anchor="ctr">
+                    <a:solidFill>
+                      <a:schemeClr val="bg1"/>
+                    </a:solidFill>
+                  </a:tcPr>
+                </a:tc>
+                <a:tc>
+                  <a:txBody>
+                    <a:bodyPr/>
+                    <a:lstStyle/>
+                    <a:p>
+                      <a:pPr algn="ctr" latinLnBrk="1"/>
+                      <a:r>
+                        <a:rPr lang="ko-KR" altLang="en-US" sz="1200" b="0" dirty="0" smtClean="0">
+                          <a:solidFill>
+                            <a:schemeClr val="tx1"/>
+                          </a:solidFill>
+                          <a:latin typeface="맑은 고딕" pitchFamily="50" charset="-127"/>
+                          <a:ea typeface="맑은 고딕" pitchFamily="50" charset="-127"/>
+                        </a:rPr>
+                        <a:t>최훈아</a:t>
+                      </a:r>
                       <a:endParaRPr lang="ko-KR" altLang="en-US" sz="1200" b="0" dirty="0">
                         <a:solidFill>
                           <a:schemeClr val="tx1"/>
@@ -2589,7 +2924,7 @@
                     <a:lstStyle/>
                     <a:p>
                       <a:pPr latinLnBrk="1"/>
-                      <a:endParaRPr lang="ko-KR" altLang="en-US" sz="1200" b="0">
+                      <a:endParaRPr lang="ko-KR" altLang="en-US" sz="1200" b="0" dirty="0">
                         <a:solidFill>
                           <a:schemeClr val="tx1"/>
                         </a:solidFill>
@@ -10592,6 +10927,464 @@
 </p:sld>
 </file>
 
+<file path=ppt/slides/slide7.xml><?xml version="1.0" encoding="utf-8"?>
+<p:sld xmlns:a="http://schemas.openxmlformats.org/drawingml/2006/main" xmlns:r="http://schemas.openxmlformats.org/officeDocument/2006/relationships" xmlns:p="http://schemas.openxmlformats.org/presentationml/2006/main">
+  <p:cSld>
+    <p:spTree>
+      <p:nvGrpSpPr>
+        <p:cNvPr id="1" name=""/>
+        <p:cNvGrpSpPr/>
+        <p:nvPr/>
+      </p:nvGrpSpPr>
+      <p:grpSpPr>
+        <a:xfrm>
+          <a:off x="0" y="0"/>
+          <a:ext cx="0" cy="0"/>
+          <a:chOff x="0" y="0"/>
+          <a:chExt cx="0" cy="0"/>
+        </a:xfrm>
+      </p:grpSpPr>
+      <p:sp>
+        <p:nvSpPr>
+          <p:cNvPr id="2" name="바닥글 개체 틀 1"/>
+          <p:cNvSpPr>
+            <a:spLocks noGrp="1"/>
+          </p:cNvSpPr>
+          <p:nvPr>
+            <p:ph type="ftr" sz="quarter" idx="3"/>
+          </p:nvPr>
+        </p:nvSpPr>
+        <p:spPr/>
+        <p:txBody>
+          <a:bodyPr/>
+          <a:lstStyle/>
+          <a:p>
+            <a:pPr algn="r"/>
+            <a:r>
+              <a:rPr lang="ko-KR" altLang="en-US" smtClean="0"/>
+              <a:t>팀 명</a:t>
+            </a:r>
+            <a:endParaRPr lang="en-US" altLang="ko-KR" dirty="0"/>
+          </a:p>
+        </p:txBody>
+      </p:sp>
+      <p:pic>
+        <p:nvPicPr>
+          <p:cNvPr id="1027" name="Picture 3" descr="C:\Users\HoonAh\Desktop\소공플젝\TDL_설계써\UI\01.jpg"/>
+          <p:cNvPicPr>
+            <a:picLocks noChangeAspect="1" noChangeArrowheads="1"/>
+          </p:cNvPicPr>
+          <p:nvPr/>
+        </p:nvPicPr>
+        <p:blipFill>
+          <a:blip r:embed="rId2" cstate="print">
+            <a:extLst>
+              <a:ext uri="{28A0092B-C50C-407E-A947-70E740481C1C}">
+                <a14:useLocalDpi xmlns:a14="http://schemas.microsoft.com/office/drawing/2010/main" val="0"/>
+              </a:ext>
+            </a:extLst>
+          </a:blip>
+          <a:srcRect/>
+          <a:stretch>
+            <a:fillRect/>
+          </a:stretch>
+        </p:blipFill>
+        <p:spPr bwMode="auto">
+          <a:xfrm>
+            <a:off x="1294413" y="1430094"/>
+            <a:ext cx="6619025" cy="4680000"/>
+          </a:xfrm>
+          <a:prstGeom prst="rect">
+            <a:avLst/>
+          </a:prstGeom>
+          <a:noFill/>
+          <a:extLst>
+            <a:ext uri="{909E8E84-426E-40DD-AFC4-6F175D3DCCD1}">
+              <a14:hiddenFill xmlns:a14="http://schemas.microsoft.com/office/drawing/2010/main">
+                <a:solidFill>
+                  <a:srgbClr val="FFFFFF"/>
+                </a:solidFill>
+              </a14:hiddenFill>
+            </a:ext>
+          </a:extLst>
+        </p:spPr>
+      </p:pic>
+      <p:sp>
+        <p:nvSpPr>
+          <p:cNvPr id="3" name="TextBox 2"/>
+          <p:cNvSpPr txBox="1"/>
+          <p:nvPr/>
+        </p:nvSpPr>
+        <p:spPr>
+          <a:xfrm>
+            <a:off x="818273" y="233680"/>
+            <a:ext cx="7571303" cy="1200329"/>
+          </a:xfrm>
+          <a:prstGeom prst="rect">
+            <a:avLst/>
+          </a:prstGeom>
+          <a:noFill/>
+        </p:spPr>
+        <p:txBody>
+          <a:bodyPr wrap="none" rtlCol="0">
+            <a:spAutoFit/>
+          </a:bodyPr>
+          <a:lstStyle/>
+          <a:p>
+            <a:r>
+              <a:rPr lang="en-US" altLang="ko-KR" sz="2400" dirty="0" smtClean="0">
+                <a:solidFill>
+                  <a:srgbClr val="FF0000"/>
+                </a:solidFill>
+                <a:latin typeface="HY궁서B" panose="02030600000101010101" pitchFamily="18" charset="-127"/>
+                <a:ea typeface="HY궁서B" panose="02030600000101010101" pitchFamily="18" charset="-127"/>
+              </a:rPr>
+              <a:t>2017.05.16 </a:t>
+            </a:r>
+            <a:r>
+              <a:rPr lang="ko-KR" altLang="en-US" sz="2400" dirty="0" smtClean="0">
+                <a:solidFill>
+                  <a:srgbClr val="FF0000"/>
+                </a:solidFill>
+                <a:latin typeface="HY궁서B" panose="02030600000101010101" pitchFamily="18" charset="-127"/>
+                <a:ea typeface="HY궁서B" panose="02030600000101010101" pitchFamily="18" charset="-127"/>
+              </a:rPr>
+              <a:t>손으로 필기한 초안내용을 </a:t>
+            </a:r>
+            <a:r>
+              <a:rPr lang="ko-KR" altLang="en-US" sz="2400" dirty="0" err="1" smtClean="0">
+                <a:solidFill>
+                  <a:srgbClr val="FF0000"/>
+                </a:solidFill>
+                <a:latin typeface="HY궁서B" panose="02030600000101010101" pitchFamily="18" charset="-127"/>
+                <a:ea typeface="HY궁서B" panose="02030600000101010101" pitchFamily="18" charset="-127"/>
+              </a:rPr>
+              <a:t>스캔하여</a:t>
+            </a:r>
+            <a:r>
+              <a:rPr lang="ko-KR" altLang="en-US" sz="2400" dirty="0" smtClean="0">
+                <a:solidFill>
+                  <a:srgbClr val="FF0000"/>
+                </a:solidFill>
+                <a:latin typeface="HY궁서B" panose="02030600000101010101" pitchFamily="18" charset="-127"/>
+                <a:ea typeface="HY궁서B" panose="02030600000101010101" pitchFamily="18" charset="-127"/>
+              </a:rPr>
+              <a:t> 첨부</a:t>
+            </a:r>
+            <a:endParaRPr lang="en-US" altLang="ko-KR" sz="2400" dirty="0">
+              <a:solidFill>
+                <a:srgbClr val="FF0000"/>
+              </a:solidFill>
+              <a:latin typeface="HY궁서B" panose="02030600000101010101" pitchFamily="18" charset="-127"/>
+              <a:ea typeface="HY궁서B" panose="02030600000101010101" pitchFamily="18" charset="-127"/>
+            </a:endParaRPr>
+          </a:p>
+          <a:p>
+            <a:r>
+              <a:rPr lang="en-US" altLang="ko-KR" sz="2400" dirty="0" smtClean="0">
+                <a:solidFill>
+                  <a:srgbClr val="FF0000"/>
+                </a:solidFill>
+                <a:latin typeface="HY궁서B" panose="02030600000101010101" pitchFamily="18" charset="-127"/>
+                <a:ea typeface="HY궁서B" panose="02030600000101010101" pitchFamily="18" charset="-127"/>
+              </a:rPr>
+              <a:t>(</a:t>
+            </a:r>
+            <a:r>
+              <a:rPr lang="ko-KR" altLang="en-US" sz="2400" dirty="0" smtClean="0">
+                <a:solidFill>
+                  <a:srgbClr val="FF0000"/>
+                </a:solidFill>
+                <a:latin typeface="HY궁서B" panose="02030600000101010101" pitchFamily="18" charset="-127"/>
+                <a:ea typeface="HY궁서B" panose="02030600000101010101" pitchFamily="18" charset="-127"/>
+              </a:rPr>
+              <a:t>슬라이드</a:t>
+            </a:r>
+            <a:r>
+              <a:rPr lang="en-US" altLang="ko-KR" sz="2400" dirty="0" smtClean="0">
+                <a:solidFill>
+                  <a:srgbClr val="FF0000"/>
+                </a:solidFill>
+                <a:latin typeface="HY궁서B" panose="02030600000101010101" pitchFamily="18" charset="-127"/>
+                <a:ea typeface="HY궁서B" panose="02030600000101010101" pitchFamily="18" charset="-127"/>
+              </a:rPr>
+              <a:t>7</a:t>
+            </a:r>
+            <a:r>
+              <a:rPr lang="ko-KR" altLang="en-US" sz="2400" dirty="0" smtClean="0">
+                <a:solidFill>
+                  <a:srgbClr val="FF0000"/>
+                </a:solidFill>
+                <a:latin typeface="HY궁서B" panose="02030600000101010101" pitchFamily="18" charset="-127"/>
+                <a:ea typeface="HY궁서B" panose="02030600000101010101" pitchFamily="18" charset="-127"/>
+              </a:rPr>
+              <a:t>부터 </a:t>
+            </a:r>
+            <a:r>
+              <a:rPr lang="en-US" altLang="ko-KR" sz="2400" dirty="0" smtClean="0">
+                <a:solidFill>
+                  <a:srgbClr val="FF0000"/>
+                </a:solidFill>
+                <a:latin typeface="HY궁서B" panose="02030600000101010101" pitchFamily="18" charset="-127"/>
+                <a:ea typeface="HY궁서B" panose="02030600000101010101" pitchFamily="18" charset="-127"/>
+              </a:rPr>
+              <a:t>11</a:t>
+            </a:r>
+            <a:r>
+              <a:rPr lang="ko-KR" altLang="en-US" sz="2400" dirty="0" smtClean="0">
+                <a:solidFill>
+                  <a:srgbClr val="FF0000"/>
+                </a:solidFill>
+                <a:latin typeface="HY궁서B" panose="02030600000101010101" pitchFamily="18" charset="-127"/>
+                <a:ea typeface="HY궁서B" panose="02030600000101010101" pitchFamily="18" charset="-127"/>
+              </a:rPr>
+              <a:t>까지</a:t>
+            </a:r>
+            <a:r>
+              <a:rPr lang="en-US" altLang="ko-KR" sz="2400" dirty="0" smtClean="0">
+                <a:solidFill>
+                  <a:srgbClr val="FF0000"/>
+                </a:solidFill>
+                <a:latin typeface="HY궁서B" panose="02030600000101010101" pitchFamily="18" charset="-127"/>
+                <a:ea typeface="HY궁서B" panose="02030600000101010101" pitchFamily="18" charset="-127"/>
+              </a:rPr>
+              <a:t>)</a:t>
+            </a:r>
+          </a:p>
+          <a:p>
+            <a:r>
+              <a:rPr lang="en-US" altLang="ko-KR" sz="2400" dirty="0" smtClean="0">
+                <a:solidFill>
+                  <a:srgbClr val="FF0000"/>
+                </a:solidFill>
+                <a:latin typeface="HY궁서B" panose="02030600000101010101" pitchFamily="18" charset="-127"/>
+                <a:ea typeface="HY궁서B" panose="02030600000101010101" pitchFamily="18" charset="-127"/>
+              </a:rPr>
+              <a:t>-&gt; 17</a:t>
+            </a:r>
+            <a:r>
+              <a:rPr lang="ko-KR" altLang="en-US" sz="2400" dirty="0" smtClean="0">
+                <a:solidFill>
+                  <a:srgbClr val="FF0000"/>
+                </a:solidFill>
+                <a:latin typeface="HY궁서B" panose="02030600000101010101" pitchFamily="18" charset="-127"/>
+                <a:ea typeface="HY궁서B" panose="02030600000101010101" pitchFamily="18" charset="-127"/>
+              </a:rPr>
+              <a:t>일까지 이미지를 제외한 부분 작성</a:t>
+            </a:r>
+            <a:endParaRPr lang="ko-KR" altLang="en-US" sz="2400" dirty="0">
+              <a:solidFill>
+                <a:srgbClr val="FF0000"/>
+              </a:solidFill>
+              <a:latin typeface="HY궁서B" panose="02030600000101010101" pitchFamily="18" charset="-127"/>
+              <a:ea typeface="HY궁서B" panose="02030600000101010101" pitchFamily="18" charset="-127"/>
+            </a:endParaRPr>
+          </a:p>
+        </p:txBody>
+      </p:sp>
+    </p:spTree>
+    <p:extLst>
+      <p:ext uri="{BB962C8B-B14F-4D97-AF65-F5344CB8AC3E}">
+        <p14:creationId xmlns:p14="http://schemas.microsoft.com/office/powerpoint/2010/main" val="4082547930"/>
+      </p:ext>
+    </p:extLst>
+  </p:cSld>
+  <p:clrMapOvr>
+    <a:masterClrMapping/>
+  </p:clrMapOvr>
+</p:sld>
+</file>
+
+<file path=ppt/slides/slide8.xml><?xml version="1.0" encoding="utf-8"?>
+<p:sld xmlns:a="http://schemas.openxmlformats.org/drawingml/2006/main" xmlns:r="http://schemas.openxmlformats.org/officeDocument/2006/relationships" xmlns:p="http://schemas.openxmlformats.org/presentationml/2006/main">
+  <p:cSld>
+    <p:spTree>
+      <p:nvGrpSpPr>
+        <p:cNvPr id="1" name=""/>
+        <p:cNvGrpSpPr/>
+        <p:nvPr/>
+      </p:nvGrpSpPr>
+      <p:grpSpPr>
+        <a:xfrm>
+          <a:off x="0" y="0"/>
+          <a:ext cx="0" cy="0"/>
+          <a:chOff x="0" y="0"/>
+          <a:chExt cx="0" cy="0"/>
+        </a:xfrm>
+      </p:grpSpPr>
+      <p:sp>
+        <p:nvSpPr>
+          <p:cNvPr id="2" name="바닥글 개체 틀 1"/>
+          <p:cNvSpPr>
+            <a:spLocks noGrp="1"/>
+          </p:cNvSpPr>
+          <p:nvPr>
+            <p:ph type="ftr" sz="quarter" idx="3"/>
+          </p:nvPr>
+        </p:nvSpPr>
+        <p:spPr/>
+        <p:txBody>
+          <a:bodyPr/>
+          <a:lstStyle/>
+          <a:p>
+            <a:pPr algn="r"/>
+            <a:r>
+              <a:rPr lang="ko-KR" altLang="en-US" smtClean="0"/>
+              <a:t>팀 명</a:t>
+            </a:r>
+            <a:endParaRPr lang="en-US" altLang="ko-KR" dirty="0"/>
+          </a:p>
+        </p:txBody>
+      </p:sp>
+      <p:pic>
+        <p:nvPicPr>
+          <p:cNvPr id="2050" name="Picture 2" descr="C:\Users\HoonAh\Desktop\소공플젝\TDL_설계써\UI\02.jpg"/>
+          <p:cNvPicPr>
+            <a:picLocks noChangeAspect="1" noChangeArrowheads="1"/>
+          </p:cNvPicPr>
+          <p:nvPr/>
+        </p:nvPicPr>
+        <p:blipFill>
+          <a:blip r:embed="rId2" cstate="print">
+            <a:extLst>
+              <a:ext uri="{28A0092B-C50C-407E-A947-70E740481C1C}">
+                <a14:useLocalDpi xmlns:a14="http://schemas.microsoft.com/office/drawing/2010/main" val="0"/>
+              </a:ext>
+            </a:extLst>
+          </a:blip>
+          <a:srcRect/>
+          <a:stretch>
+            <a:fillRect/>
+          </a:stretch>
+        </p:blipFill>
+        <p:spPr bwMode="auto">
+          <a:xfrm>
+            <a:off x="1237932" y="1422082"/>
+            <a:ext cx="6619025" cy="4680000"/>
+          </a:xfrm>
+          <a:prstGeom prst="rect">
+            <a:avLst/>
+          </a:prstGeom>
+          <a:noFill/>
+          <a:extLst>
+            <a:ext uri="{909E8E84-426E-40DD-AFC4-6F175D3DCCD1}">
+              <a14:hiddenFill xmlns:a14="http://schemas.microsoft.com/office/drawing/2010/main">
+                <a:solidFill>
+                  <a:srgbClr val="FFFFFF"/>
+                </a:solidFill>
+              </a14:hiddenFill>
+            </a:ext>
+          </a:extLst>
+        </p:spPr>
+      </p:pic>
+    </p:spTree>
+    <p:extLst>
+      <p:ext uri="{BB962C8B-B14F-4D97-AF65-F5344CB8AC3E}">
+        <p14:creationId xmlns:p14="http://schemas.microsoft.com/office/powerpoint/2010/main" val="3807152184"/>
+      </p:ext>
+    </p:extLst>
+  </p:cSld>
+  <p:clrMapOvr>
+    <a:masterClrMapping/>
+  </p:clrMapOvr>
+</p:sld>
+</file>
+
+<file path=ppt/slides/slide9.xml><?xml version="1.0" encoding="utf-8"?>
+<p:sld xmlns:a="http://schemas.openxmlformats.org/drawingml/2006/main" xmlns:r="http://schemas.openxmlformats.org/officeDocument/2006/relationships" xmlns:p="http://schemas.openxmlformats.org/presentationml/2006/main">
+  <p:cSld>
+    <p:spTree>
+      <p:nvGrpSpPr>
+        <p:cNvPr id="1" name=""/>
+        <p:cNvGrpSpPr/>
+        <p:nvPr/>
+      </p:nvGrpSpPr>
+      <p:grpSpPr>
+        <a:xfrm>
+          <a:off x="0" y="0"/>
+          <a:ext cx="0" cy="0"/>
+          <a:chOff x="0" y="0"/>
+          <a:chExt cx="0" cy="0"/>
+        </a:xfrm>
+      </p:grpSpPr>
+      <p:sp>
+        <p:nvSpPr>
+          <p:cNvPr id="2" name="바닥글 개체 틀 1"/>
+          <p:cNvSpPr>
+            <a:spLocks noGrp="1"/>
+          </p:cNvSpPr>
+          <p:nvPr>
+            <p:ph type="ftr" sz="quarter" idx="3"/>
+          </p:nvPr>
+        </p:nvSpPr>
+        <p:spPr/>
+        <p:txBody>
+          <a:bodyPr/>
+          <a:lstStyle/>
+          <a:p>
+            <a:pPr algn="r"/>
+            <a:r>
+              <a:rPr lang="ko-KR" altLang="en-US" smtClean="0"/>
+              <a:t>팀 명</a:t>
+            </a:r>
+            <a:endParaRPr lang="en-US" altLang="ko-KR" dirty="0"/>
+          </a:p>
+        </p:txBody>
+      </p:sp>
+      <p:pic>
+        <p:nvPicPr>
+          <p:cNvPr id="3074" name="Picture 2" descr="C:\Users\HoonAh\Desktop\소공플젝\TDL_설계써\UI\03.jpg"/>
+          <p:cNvPicPr>
+            <a:picLocks noChangeAspect="1" noChangeArrowheads="1"/>
+          </p:cNvPicPr>
+          <p:nvPr/>
+        </p:nvPicPr>
+        <p:blipFill>
+          <a:blip r:embed="rId2" cstate="print">
+            <a:extLst>
+              <a:ext uri="{28A0092B-C50C-407E-A947-70E740481C1C}">
+                <a14:useLocalDpi xmlns:a14="http://schemas.microsoft.com/office/drawing/2010/main" val="0"/>
+              </a:ext>
+            </a:extLst>
+          </a:blip>
+          <a:srcRect/>
+          <a:stretch>
+            <a:fillRect/>
+          </a:stretch>
+        </p:blipFill>
+        <p:spPr bwMode="auto">
+          <a:xfrm>
+            <a:off x="1482725" y="1350962"/>
+            <a:ext cx="6619025" cy="4680000"/>
+          </a:xfrm>
+          <a:prstGeom prst="rect">
+            <a:avLst/>
+          </a:prstGeom>
+          <a:noFill/>
+          <a:extLst>
+            <a:ext uri="{909E8E84-426E-40DD-AFC4-6F175D3DCCD1}">
+              <a14:hiddenFill xmlns:a14="http://schemas.microsoft.com/office/drawing/2010/main">
+                <a:solidFill>
+                  <a:srgbClr val="FFFFFF"/>
+                </a:solidFill>
+              </a14:hiddenFill>
+            </a:ext>
+          </a:extLst>
+        </p:spPr>
+      </p:pic>
+    </p:spTree>
+    <p:extLst>
+      <p:ext uri="{BB962C8B-B14F-4D97-AF65-F5344CB8AC3E}">
+        <p14:creationId xmlns:p14="http://schemas.microsoft.com/office/powerpoint/2010/main" val="843151317"/>
+      </p:ext>
+    </p:extLst>
+  </p:cSld>
+  <p:clrMapOvr>
+    <a:masterClrMapping/>
+  </p:clrMapOvr>
+</p:sld>
+</file>
+
 <file path=ppt/theme/theme1.xml><?xml version="1.0" encoding="utf-8"?>
 <a:theme xmlns:a="http://schemas.openxmlformats.org/drawingml/2006/main" name="07 Template">
   <a:themeElements>
